--- a/Can Dumb Beat Smart R3.pptx
+++ b/Can Dumb Beat Smart R3.pptx
@@ -12926,13 +12926,6 @@
           </a:bodyPr>
           <a:lstStyle/>
           <a:p>
-            <a:pPr algn="ctr"/>
-            <a:r>
-              <a:rPr lang="en-US" altLang="en-US" sz="3200" dirty="0"/>
-              <a:t>Is the resource competition between existing mobile network services and the emerging IoT services a zero-sum game?</a:t>
-            </a:r>
-          </a:p>
-          <a:p>
             <a:pPr marL="0" indent="0" algn="ctr">
               <a:buNone/>
             </a:pPr>
@@ -12942,7 +12935,32 @@
             <a:pPr algn="ctr"/>
             <a:r>
               <a:rPr lang="en-US" altLang="en-US" sz="3200" dirty="0"/>
-              <a:t>If Yes, how to mitigate it for a PHY/MAC layer perspective?</a:t>
+              <a:t>Are more prior information and more aggressive computation the necessary ingredients for achieving optimal performance?</a:t>
+            </a:r>
+          </a:p>
+          <a:p>
+            <a:pPr algn="ctr"/>
+            <a:r>
+              <a:rPr lang="en-US" altLang="en-US" sz="3200" dirty="0"/>
+              <a:t>If No, how?</a:t>
+            </a:r>
+          </a:p>
+          <a:p>
+            <a:pPr algn="ctr"/>
+            <a:endParaRPr lang="en-US" altLang="en-US" sz="3200" dirty="0"/>
+          </a:p>
+          <a:p>
+            <a:pPr algn="ctr"/>
+            <a:r>
+              <a:rPr lang="en-US" altLang="en-US" sz="3200" dirty="0"/>
+              <a:t>Is the resource competition between existing mobile network services and the emerging IoT services a zero-sum game?</a:t>
+            </a:r>
+          </a:p>
+          <a:p>
+            <a:pPr lvl="1" algn="ctr"/>
+            <a:r>
+              <a:rPr lang="en-US" altLang="en-US" sz="3000" dirty="0"/>
+              <a:t>If Yes, how?</a:t>
             </a:r>
           </a:p>
           <a:p>
@@ -13033,7 +13051,7 @@
         </p:spPr>
         <p:txBody>
           <a:bodyPr>
-            <a:normAutofit fontScale="92500" lnSpcReduction="20000"/>
+            <a:normAutofit fontScale="92500" lnSpcReduction="10000"/>
           </a:bodyPr>
           <a:lstStyle/>
           <a:p>
@@ -13043,7 +13061,7 @@
             </a:pPr>
             <a:r>
               <a:rPr lang="en-US" sz="2600" b="1" dirty="0"/>
-              <a:t>Traditionally in Network Engineering, access channel capacities are viewed as a function of timing  (</a:t>
+              <a:t>In Network Engineering, access channel capacities are traditionally viewed as a function of timing  (</a:t>
             </a:r>
             <a:r>
               <a:rPr lang="en-US" sz="2600" b="1" i="1" dirty="0">
@@ -13084,7 +13102,7 @@
             </a:pPr>
             <a:r>
               <a:rPr lang="en-US" sz="2600" b="1" dirty="0"/>
-              <a:t>Information Theory, however, thinks an optimal capacity is achievable through power control (</a:t>
+              <a:t>In Information Theory, however, an optimal capacity is achievable through power control (</a:t>
             </a:r>
             <a:r>
               <a:rPr lang="en-US" sz="2600" b="1" i="1" dirty="0">
@@ -13104,11 +13122,11 @@
                   <a:srgbClr val="FFC000"/>
                 </a:solidFill>
               </a:rPr>
-              <a:t>Diligence</a:t>
+              <a:t>Smartness III &amp; Diligence</a:t>
             </a:r>
             <a:r>
               <a:rPr lang="en-US" sz="2600" b="1" dirty="0"/>
-              <a:t>). (Multiuser Channel)</a:t>
+              <a:t>).</a:t>
             </a:r>
           </a:p>
           <a:p>
@@ -13134,7 +13152,7 @@
             <a:pPr lvl="1"/>
             <a:r>
               <a:rPr lang="en-US" sz="2400" dirty="0"/>
-              <a:t>The hardworking (</a:t>
+              <a:t>the hardworking (</a:t>
             </a:r>
             <a:r>
               <a:rPr lang="en-US" sz="2400" b="1" i="1" dirty="0">
@@ -13146,7 +13164,7 @@
             </a:r>
             <a:r>
               <a:rPr lang="en-US" sz="2400" dirty="0"/>
-              <a:t>) by the receiver is necessary.</a:t>
+              <a:t>) by the receiver is necessary, per multiuser receiver theory.</a:t>
             </a:r>
           </a:p>
           <a:p>
@@ -13156,7 +13174,7 @@
             </a:pPr>
             <a:r>
               <a:rPr lang="en-US" sz="2800" b="1" dirty="0"/>
-              <a:t>The proposed approach suggested the optimal capacity can be achievable through:</a:t>
+              <a:t>The proposed approach suggests the optimal throughput can be achievable through:</a:t>
             </a:r>
           </a:p>
           <a:p>
@@ -13182,7 +13200,7 @@
             <a:pPr lvl="1"/>
             <a:r>
               <a:rPr lang="en-US" sz="2400" dirty="0"/>
-              <a:t>Rapid Acknowledgement (aka, Early Termination)</a:t>
+              <a:t>Rapid Acknowledgement (aka, Early Termination). </a:t>
             </a:r>
           </a:p>
         </p:txBody>
@@ -13269,37 +13287,37 @@
         <p:spPr>
           <a:xfrm>
             <a:off x="685801" y="1544595"/>
-            <a:ext cx="10131425" cy="4246605"/>
+            <a:ext cx="10820398" cy="5039085"/>
           </a:xfrm>
         </p:spPr>
         <p:txBody>
           <a:bodyPr>
-            <a:normAutofit fontScale="92500" lnSpcReduction="10000"/>
+            <a:normAutofit/>
           </a:bodyPr>
           <a:lstStyle/>
           <a:p>
             <a:r>
-              <a:rPr lang="en-US" altLang="en-US" sz="2400" dirty="0"/>
+              <a:rPr lang="en-US" altLang="en-US" sz="2400" b="1" dirty="0"/>
               <a:t>Background</a:t>
             </a:r>
           </a:p>
           <a:p>
             <a:pPr lvl="1"/>
             <a:r>
-              <a:rPr lang="en-US" altLang="en-US" sz="2200" dirty="0"/>
+              <a:rPr lang="en-US" altLang="en-US" sz="2000" dirty="0"/>
               <a:t>Aloha access channel model</a:t>
             </a:r>
           </a:p>
           <a:p>
             <a:pPr lvl="1"/>
             <a:r>
-              <a:rPr lang="en-US" altLang="en-US" sz="2200" dirty="0"/>
+              <a:rPr lang="en-US" altLang="en-US" sz="2000" dirty="0"/>
               <a:t>Mobile IoT (internet of things)</a:t>
             </a:r>
           </a:p>
           <a:p>
             <a:r>
-              <a:rPr lang="en-US" altLang="en-US" sz="2400" dirty="0"/>
+              <a:rPr lang="en-US" altLang="en-US" sz="2400" b="1" dirty="0"/>
               <a:t>What Are The Problems?</a:t>
             </a:r>
           </a:p>
@@ -13319,7 +13337,7 @@
           </a:p>
           <a:p>
             <a:r>
-              <a:rPr lang="en-US" altLang="en-US" sz="2400" dirty="0"/>
+              <a:rPr lang="en-US" altLang="en-US" sz="2400" b="1" dirty="0"/>
               <a:t>Optimal Solutions :</a:t>
             </a:r>
           </a:p>
@@ -13339,7 +13357,7 @@
           </a:p>
           <a:p>
             <a:r>
-              <a:rPr lang="en-US" altLang="en-US" sz="2400" dirty="0"/>
+              <a:rPr lang="en-US" altLang="en-US" sz="2400" b="1" dirty="0"/>
               <a:t>Other Considerations.</a:t>
             </a:r>
           </a:p>
@@ -14087,7 +14105,7 @@
               </a:lnSpc>
             </a:pPr>
             <a:r>
-              <a:rPr lang="en-US" altLang="en-US" sz="2400" dirty="0"/>
+              <a:rPr lang="en-US" altLang="en-US" sz="2400" b="1" dirty="0"/>
               <a:t>Other related problems include:</a:t>
             </a:r>
           </a:p>
@@ -14139,7 +14157,7 @@
               </a:lnSpc>
             </a:pPr>
             <a:r>
-              <a:rPr lang="en-US" altLang="en-US" sz="2400" dirty="0"/>
+              <a:rPr lang="en-US" altLang="en-US" sz="2400" b="1" dirty="0"/>
               <a:t>Additional considerations are</a:t>
             </a:r>
           </a:p>
